--- a/DOT NET III Close Out .pptx
+++ b/DOT NET III Close Out .pptx
@@ -5,10 +5,10 @@
     <p:sldMasterId id="2147483750" r:id="rId2"/>
   </p:sldMasterIdLst>
   <p:notesMasterIdLst>
-    <p:notesMasterId r:id="rId22"/>
+    <p:notesMasterId r:id="rId20"/>
   </p:notesMasterIdLst>
   <p:handoutMasterIdLst>
-    <p:handoutMasterId r:id="rId23"/>
+    <p:handoutMasterId r:id="rId21"/>
   </p:handoutMasterIdLst>
   <p:sldIdLst>
     <p:sldId id="265" r:id="rId3"/>
@@ -16,25 +16,23 @@
     <p:sldId id="320" r:id="rId5"/>
     <p:sldId id="328" r:id="rId6"/>
     <p:sldId id="338" r:id="rId7"/>
-    <p:sldId id="340" r:id="rId8"/>
-    <p:sldId id="339" r:id="rId9"/>
-    <p:sldId id="337" r:id="rId10"/>
-    <p:sldId id="335" r:id="rId11"/>
-    <p:sldId id="356" r:id="rId12"/>
-    <p:sldId id="329" r:id="rId13"/>
-    <p:sldId id="352" r:id="rId14"/>
-    <p:sldId id="353" r:id="rId15"/>
-    <p:sldId id="351" r:id="rId16"/>
-    <p:sldId id="354" r:id="rId17"/>
-    <p:sldId id="342" r:id="rId18"/>
-    <p:sldId id="343" r:id="rId19"/>
-    <p:sldId id="355" r:id="rId20"/>
-    <p:sldId id="319" r:id="rId21"/>
+    <p:sldId id="337" r:id="rId8"/>
+    <p:sldId id="335" r:id="rId9"/>
+    <p:sldId id="356" r:id="rId10"/>
+    <p:sldId id="329" r:id="rId11"/>
+    <p:sldId id="352" r:id="rId12"/>
+    <p:sldId id="353" r:id="rId13"/>
+    <p:sldId id="351" r:id="rId14"/>
+    <p:sldId id="354" r:id="rId15"/>
+    <p:sldId id="342" r:id="rId16"/>
+    <p:sldId id="343" r:id="rId17"/>
+    <p:sldId id="355" r:id="rId18"/>
+    <p:sldId id="319" r:id="rId19"/>
   </p:sldIdLst>
   <p:sldSz cx="12188825" cy="6858000"/>
   <p:notesSz cx="6858000" cy="9144000"/>
   <p:custDataLst>
-    <p:tags r:id="rId24"/>
+    <p:tags r:id="rId22"/>
   </p:custDataLst>
   <p:defaultTextStyle>
     <a:defPPr>
@@ -4639,11 +4637,7 @@
             </a:r>
             <a:r>
               <a:rPr lang="en-US" sz="8000" dirty="0" smtClean="0"/>
-              <a:t> </a:t>
-            </a:r>
-            <a:r>
-              <a:rPr lang="en-US" sz="8000" dirty="0" smtClean="0"/>
-              <a:t>III</a:t>
+              <a:t> III</a:t>
             </a:r>
             <a:endParaRPr lang="en-US" sz="8000" dirty="0"/>
           </a:p>
@@ -4701,15 +4695,7 @@
           <a:p>
             <a:r>
               <a:rPr lang="en-US" sz="1200" dirty="0" smtClean="0"/>
-              <a:t>© </a:t>
-            </a:r>
-            <a:r>
-              <a:rPr lang="en-US" sz="1200" dirty="0" smtClean="0"/>
-              <a:t>2017 </a:t>
-            </a:r>
-            <a:r>
-              <a:rPr lang="en-US" sz="1200" dirty="0" smtClean="0"/>
-              <a:t>Kirkwood Community College, All Rights Reserved</a:t>
+              <a:t>© 2017 Kirkwood Community College, All Rights Reserved</a:t>
             </a:r>
             <a:endParaRPr lang="en-US" sz="1200" dirty="0"/>
           </a:p>
@@ -4762,6 +4748,78 @@
       </p:grpSpPr>
       <p:sp>
         <p:nvSpPr>
+          <p:cNvPr id="13" name="Title 12"/>
+          <p:cNvSpPr>
+            <a:spLocks noGrp="1"/>
+          </p:cNvSpPr>
+          <p:nvPr>
+            <p:ph type="title"/>
+          </p:nvPr>
+        </p:nvSpPr>
+        <p:spPr/>
+        <p:txBody>
+          <a:bodyPr/>
+          <a:lstStyle/>
+          <a:p>
+            <a:r>
+              <a:rPr lang="en-US" dirty="0" smtClean="0"/>
+              <a:t>Program Architecture</a:t>
+            </a:r>
+            <a:endParaRPr lang="en-US" dirty="0"/>
+          </a:p>
+        </p:txBody>
+      </p:sp>
+      <p:sp>
+        <p:nvSpPr>
+          <p:cNvPr id="14" name="Content Placeholder 13"/>
+          <p:cNvSpPr>
+            <a:spLocks noGrp="1"/>
+          </p:cNvSpPr>
+          <p:nvPr>
+            <p:ph idx="1"/>
+          </p:nvPr>
+        </p:nvSpPr>
+        <p:spPr>
+          <a:xfrm>
+            <a:off x="1096994" y="3276600"/>
+            <a:ext cx="10055781" cy="1066800"/>
+          </a:xfrm>
+        </p:spPr>
+        <p:txBody>
+          <a:bodyPr>
+            <a:noAutofit/>
+          </a:bodyPr>
+          <a:lstStyle/>
+          <a:p>
+            <a:pPr marL="0" indent="0" algn="ctr">
+              <a:buNone/>
+            </a:pPr>
+            <a:r>
+              <a:rPr lang="en-US" sz="2000" b="1" dirty="0" smtClean="0"/>
+              <a:t>Project Name : .NET II (</a:t>
+            </a:r>
+            <a:r>
+              <a:rPr lang="en-US" sz="2000" b="1" dirty="0" err="1" smtClean="0"/>
+              <a:t>KSManPro</a:t>
+            </a:r>
+            <a:r>
+              <a:rPr lang="en-US" sz="2000" b="1" dirty="0" smtClean="0"/>
+              <a:t>)</a:t>
+            </a:r>
+          </a:p>
+          <a:p>
+            <a:pPr marL="0" indent="0" algn="ctr">
+              <a:buNone/>
+            </a:pPr>
+            <a:r>
+              <a:rPr lang="en-US" sz="3200" b="1" dirty="0" smtClean="0"/>
+              <a:t>N-TIER SOFWARE ARCHITECTURE</a:t>
+            </a:r>
+          </a:p>
+        </p:txBody>
+      </p:sp>
+      <p:sp>
+        <p:nvSpPr>
           <p:cNvPr id="6" name="TextBox 5">
             <a:hlinkClick r:id="rId2"/>
           </p:cNvPr>
@@ -4790,23 +4848,7 @@
                   <a:schemeClr val="bg1"/>
                 </a:solidFill>
               </a:rPr>
-              <a:t>© </a:t>
-            </a:r>
-            <a:r>
-              <a:rPr lang="en-US" sz="1000" dirty="0" smtClean="0">
-                <a:solidFill>
-                  <a:schemeClr val="bg1"/>
-                </a:solidFill>
-              </a:rPr>
-              <a:t>2017 </a:t>
-            </a:r>
-            <a:r>
-              <a:rPr lang="en-US" sz="1000" dirty="0" smtClean="0">
-                <a:solidFill>
-                  <a:schemeClr val="bg1"/>
-                </a:solidFill>
-              </a:rPr>
-              <a:t>Kirkwood Community College, All Rights Reserved</a:t>
+              <a:t>© 2017 Kirkwood Community College, All Rights Reserved</a:t>
             </a:r>
             <a:endParaRPr lang="en-US" sz="1000" dirty="0">
               <a:solidFill>
@@ -4816,93 +4858,21 @@
           </a:p>
         </p:txBody>
       </p:sp>
-      <p:sp>
-        <p:nvSpPr>
-          <p:cNvPr id="5" name="Rectangle 4"/>
-          <p:cNvSpPr/>
-          <p:nvPr/>
-        </p:nvSpPr>
-        <p:spPr>
-          <a:xfrm>
-            <a:off x="989012" y="1600200"/>
-            <a:ext cx="10287000" cy="457200"/>
-          </a:xfrm>
-          <a:prstGeom prst="rect">
-            <a:avLst/>
-          </a:prstGeom>
-          <a:solidFill>
-            <a:schemeClr val="bg1"/>
-          </a:solidFill>
-          <a:ln>
-            <a:solidFill>
-              <a:schemeClr val="bg1"/>
-            </a:solidFill>
-          </a:ln>
-        </p:spPr>
-        <p:style>
-          <a:lnRef idx="2">
-            <a:schemeClr val="accent1">
-              <a:shade val="50000"/>
-            </a:schemeClr>
-          </a:lnRef>
-          <a:fillRef idx="1">
-            <a:schemeClr val="accent1"/>
-          </a:fillRef>
-          <a:effectRef idx="0">
-            <a:schemeClr val="accent1"/>
-          </a:effectRef>
-          <a:fontRef idx="minor">
-            <a:schemeClr val="lt1"/>
-          </a:fontRef>
-        </p:style>
-        <p:txBody>
-          <a:bodyPr rtlCol="0" anchor="ctr"/>
-          <a:lstStyle/>
-          <a:p>
-            <a:pPr algn="ctr"/>
-            <a:endParaRPr lang="en-US"/>
-          </a:p>
-        </p:txBody>
-      </p:sp>
-      <p:pic>
-        <p:nvPicPr>
-          <p:cNvPr id="7" name="Picture 6"/>
-          <p:cNvPicPr>
-            <a:picLocks noChangeAspect="1"/>
-          </p:cNvPicPr>
-          <p:nvPr/>
-        </p:nvPicPr>
-        <p:blipFill>
-          <a:blip r:embed="rId3"/>
-          <a:stretch>
-            <a:fillRect/>
-          </a:stretch>
-        </p:blipFill>
-        <p:spPr>
-          <a:xfrm>
-            <a:off x="836612" y="152400"/>
-            <a:ext cx="10437768" cy="6150079"/>
-          </a:xfrm>
-          <a:prstGeom prst="rect">
-            <a:avLst/>
-          </a:prstGeom>
-        </p:spPr>
-      </p:pic>
     </p:spTree>
     <p:extLst>
       <p:ext uri="{BB962C8B-B14F-4D97-AF65-F5344CB8AC3E}">
-        <p14:creationId xmlns:p14="http://schemas.microsoft.com/office/powerpoint/2010/main" val="1087797268"/>
+        <p14:creationId xmlns:p14="http://schemas.microsoft.com/office/powerpoint/2010/main" val="2727235533"/>
       </p:ext>
     </p:extLst>
   </p:cSld>
   <p:clrMapOvr>
     <a:masterClrMapping/>
   </p:clrMapOvr>
-  <mc:AlternateContent xmlns:mc="http://schemas.openxmlformats.org/markup-compatibility/2006">
-    <mc:Choice xmlns:p14="http://schemas.microsoft.com/office/powerpoint/2010/main" Requires="p14">
+  <mc:AlternateContent xmlns:mc="http://schemas.openxmlformats.org/markup-compatibility/2006" xmlns:p14="http://schemas.microsoft.com/office/powerpoint/2010/main">
+    <mc:Choice Requires="p14">
       <p:transition p14:dur="10"/>
     </mc:Choice>
-    <mc:Fallback>
+    <mc:Fallback xmlns="">
       <p:transition/>
     </mc:Fallback>
   </mc:AlternateContent>
@@ -4935,62 +4905,6 @@
       </p:grpSpPr>
       <p:sp>
         <p:nvSpPr>
-          <p:cNvPr id="14" name="Content Placeholder 13"/>
-          <p:cNvSpPr>
-            <a:spLocks noGrp="1"/>
-          </p:cNvSpPr>
-          <p:nvPr>
-            <p:ph idx="1"/>
-          </p:nvPr>
-        </p:nvSpPr>
-        <p:spPr>
-          <a:xfrm>
-            <a:off x="1096993" y="1981200"/>
-            <a:ext cx="10055781" cy="4114800"/>
-          </a:xfrm>
-        </p:spPr>
-        <p:txBody>
-          <a:bodyPr>
-            <a:noAutofit/>
-          </a:bodyPr>
-          <a:lstStyle/>
-          <a:p>
-            <a:pPr marL="0" indent="0">
-              <a:buNone/>
-            </a:pPr>
-            <a:endParaRPr lang="en-US" sz="2000" b="1" dirty="0" smtClean="0"/>
-          </a:p>
-          <a:p>
-            <a:pPr marL="0" indent="0">
-              <a:buNone/>
-            </a:pPr>
-            <a:endParaRPr lang="en-US" sz="2000" b="1" dirty="0"/>
-          </a:p>
-          <a:p>
-            <a:pPr marL="0" indent="0">
-              <a:buNone/>
-            </a:pPr>
-            <a:endParaRPr lang="en-US" sz="2000" b="1" dirty="0" smtClean="0"/>
-          </a:p>
-          <a:p>
-            <a:pPr algn="ctr"/>
-            <a:r>
-              <a:rPr lang="en-US" sz="9600" b="1" dirty="0" smtClean="0"/>
-              <a:t>SOFTWARE</a:t>
-            </a:r>
-          </a:p>
-          <a:p>
-            <a:pPr algn="ctr"/>
-            <a:r>
-              <a:rPr lang="en-US" sz="9600" b="1" dirty="0" smtClean="0"/>
-              <a:t>ARCHITECTURE</a:t>
-            </a:r>
-            <a:endParaRPr lang="en-US" sz="9600" b="1" dirty="0"/>
-          </a:p>
-        </p:txBody>
-      </p:sp>
-      <p:sp>
-        <p:nvSpPr>
           <p:cNvPr id="6" name="TextBox 5">
             <a:hlinkClick r:id="rId2"/>
           </p:cNvPr>
@@ -5019,23 +4933,7 @@
                   <a:schemeClr val="bg1"/>
                 </a:solidFill>
               </a:rPr>
-              <a:t>© </a:t>
-            </a:r>
-            <a:r>
-              <a:rPr lang="en-US" sz="1000" dirty="0" smtClean="0">
-                <a:solidFill>
-                  <a:schemeClr val="bg1"/>
-                </a:solidFill>
-              </a:rPr>
-              <a:t>2017 </a:t>
-            </a:r>
-            <a:r>
-              <a:rPr lang="en-US" sz="1000" dirty="0" smtClean="0">
-                <a:solidFill>
-                  <a:schemeClr val="bg1"/>
-                </a:solidFill>
-              </a:rPr>
-              <a:t>Kirkwood Community College, All Rights Reserved</a:t>
+              <a:t>© 2017 Kirkwood Community College, All Rights Reserved</a:t>
             </a:r>
             <a:endParaRPr lang="en-US" sz="1000" dirty="0">
               <a:solidFill>
@@ -5045,10 +4943,81 @@
           </a:p>
         </p:txBody>
       </p:sp>
+      <p:sp>
+        <p:nvSpPr>
+          <p:cNvPr id="3" name="TextBox 2"/>
+          <p:cNvSpPr txBox="1"/>
+          <p:nvPr/>
+        </p:nvSpPr>
+        <p:spPr>
+          <a:xfrm>
+            <a:off x="5103812" y="5943600"/>
+            <a:ext cx="2328710" cy="261610"/>
+          </a:xfrm>
+          <a:prstGeom prst="rect">
+            <a:avLst/>
+          </a:prstGeom>
+          <a:noFill/>
+        </p:spPr>
+        <p:txBody>
+          <a:bodyPr wrap="square" rtlCol="0">
+            <a:spAutoFit/>
+          </a:bodyPr>
+          <a:lstStyle/>
+          <a:p>
+            <a:r>
+              <a:rPr lang="en-US" sz="1100" dirty="0" smtClean="0"/>
+              <a:t>Credit: morecoding.wordpress.com</a:t>
+            </a:r>
+            <a:endParaRPr lang="en-US" sz="1100" dirty="0"/>
+          </a:p>
+        </p:txBody>
+      </p:sp>
+      <p:pic>
+        <p:nvPicPr>
+          <p:cNvPr id="1028" name="Picture 4" descr="Image result for n-tier architecture"/>
+          <p:cNvPicPr>
+            <a:picLocks noChangeAspect="1" noChangeArrowheads="1"/>
+          </p:cNvPicPr>
+          <p:nvPr/>
+        </p:nvPicPr>
+        <p:blipFill>
+          <a:blip r:embed="rId3">
+            <a:extLst>
+              <a:ext uri="{28A0092B-C50C-407E-A947-70E740481C1C}">
+                <a14:useLocalDpi xmlns:a14="http://schemas.microsoft.com/office/drawing/2010/main" val="0"/>
+              </a:ext>
+            </a:extLst>
+          </a:blip>
+          <a:srcRect/>
+          <a:stretch>
+            <a:fillRect/>
+          </a:stretch>
+        </p:blipFill>
+        <p:spPr bwMode="auto">
+          <a:xfrm>
+            <a:off x="3960812" y="141168"/>
+            <a:ext cx="4429125" cy="5721611"/>
+          </a:xfrm>
+          <a:prstGeom prst="rect">
+            <a:avLst/>
+          </a:prstGeom>
+          <a:noFill/>
+          <a:extLst>
+            <a:ext uri="{909E8E84-426E-40DD-AFC4-6F175D3DCCD1}">
+              <a14:hiddenFill xmlns:a14="http://schemas.microsoft.com/office/drawing/2010/main">
+                <a:solidFill>
+                  <a:srgbClr val="FFFFFF"/>
+                </a:solidFill>
+              </a14:hiddenFill>
+            </a:ext>
+          </a:extLst>
+        </p:spPr>
+      </p:pic>
     </p:spTree>
     <p:extLst>
       <p:ext uri="{BB962C8B-B14F-4D97-AF65-F5344CB8AC3E}">
-        <p14:creationId xmlns:p14="http://schemas.microsoft.com/office/powerpoint/2010/main" val="1884422861"/>
+        <p14:creationId xmlns:p14="http://schemas.microsoft.com/office/powerpoint/2010/main" val="2722872490"/>
       </p:ext>
     </p:extLst>
   </p:cSld>
@@ -5107,7 +5076,7 @@
           <a:p>
             <a:r>
               <a:rPr lang="en-US" dirty="0" smtClean="0"/>
-              <a:t>Program Architecture</a:t>
+              <a:t>Program Features</a:t>
             </a:r>
             <a:endParaRPr lang="en-US" dirty="0"/>
           </a:p>
@@ -5125,8 +5094,8 @@
         </p:nvSpPr>
         <p:spPr>
           <a:xfrm>
-            <a:off x="1096994" y="3276600"/>
-            <a:ext cx="10055781" cy="1066800"/>
+            <a:off x="1096993" y="1981200"/>
+            <a:ext cx="10055781" cy="4114800"/>
           </a:xfrm>
         </p:spPr>
         <p:txBody>
@@ -5138,21 +5107,35 @@
             <a:pPr marL="0" indent="0" algn="ctr">
               <a:buNone/>
             </a:pPr>
+            <a:endParaRPr lang="en-US" sz="2000" b="1" dirty="0" smtClean="0"/>
+          </a:p>
+          <a:p>
+            <a:pPr marL="0" indent="0" algn="ctr">
+              <a:buNone/>
+            </a:pPr>
+            <a:endParaRPr lang="en-US" sz="2000" b="1" dirty="0"/>
+          </a:p>
+          <a:p>
+            <a:pPr marL="0" indent="0" algn="ctr">
+              <a:buNone/>
+            </a:pPr>
+            <a:endParaRPr lang="en-US" sz="2000" b="1" dirty="0" smtClean="0"/>
+          </a:p>
+          <a:p>
+            <a:pPr marL="0" indent="0" algn="ctr">
+              <a:buNone/>
+            </a:pPr>
             <a:r>
               <a:rPr lang="en-US" sz="2000" b="1" dirty="0" smtClean="0"/>
-              <a:t>Project Name : </a:t>
+              <a:t>Project Name : .NET III (</a:t>
+            </a:r>
+            <a:r>
+              <a:rPr lang="en-US" sz="2000" dirty="0" smtClean="0"/>
+              <a:t>SCSYSTEM</a:t>
             </a:r>
             <a:r>
               <a:rPr lang="en-US" sz="2000" b="1" dirty="0" smtClean="0"/>
-              <a:t>.NET II (</a:t>
-            </a:r>
-            <a:r>
-              <a:rPr lang="en-US" sz="2000" b="1" dirty="0" err="1" smtClean="0"/>
-              <a:t>KSManPro</a:t>
-            </a:r>
-            <a:r>
-              <a:rPr lang="en-US" sz="2000" b="1" dirty="0" smtClean="0"/>
-              <a:t>)</a:t>
+              <a:t> – ASP.NET MVC 5)</a:t>
             </a:r>
           </a:p>
           <a:p>
@@ -5161,9 +5144,8 @@
             </a:pPr>
             <a:r>
               <a:rPr lang="en-US" sz="3200" b="1" dirty="0" smtClean="0"/>
-              <a:t>N-TIER SOFWARE ARCHITECTURE</a:t>
-            </a:r>
-            <a:endParaRPr lang="en-US" sz="3200" b="1" dirty="0" smtClean="0"/>
+              <a:t>ONION ARCHITECTURE</a:t>
+            </a:r>
           </a:p>
         </p:txBody>
       </p:sp>
@@ -5197,23 +5179,7 @@
                   <a:schemeClr val="bg1"/>
                 </a:solidFill>
               </a:rPr>
-              <a:t>© </a:t>
-            </a:r>
-            <a:r>
-              <a:rPr lang="en-US" sz="1000" dirty="0" smtClean="0">
-                <a:solidFill>
-                  <a:schemeClr val="bg1"/>
-                </a:solidFill>
-              </a:rPr>
-              <a:t>2017 </a:t>
-            </a:r>
-            <a:r>
-              <a:rPr lang="en-US" sz="1000" dirty="0" smtClean="0">
-                <a:solidFill>
-                  <a:schemeClr val="bg1"/>
-                </a:solidFill>
-              </a:rPr>
-              <a:t>Kirkwood Community College, All Rights Reserved</a:t>
+              <a:t>© 2017 Kirkwood Community College, All Rights Reserved</a:t>
             </a:r>
             <a:endParaRPr lang="en-US" sz="1000" dirty="0">
               <a:solidFill>
@@ -5226,18 +5192,18 @@
     </p:spTree>
     <p:extLst>
       <p:ext uri="{BB962C8B-B14F-4D97-AF65-F5344CB8AC3E}">
-        <p14:creationId xmlns:p14="http://schemas.microsoft.com/office/powerpoint/2010/main" val="2727235533"/>
+        <p14:creationId xmlns:p14="http://schemas.microsoft.com/office/powerpoint/2010/main" val="2693097579"/>
       </p:ext>
     </p:extLst>
   </p:cSld>
   <p:clrMapOvr>
     <a:masterClrMapping/>
   </p:clrMapOvr>
-  <mc:AlternateContent xmlns:mc="http://schemas.openxmlformats.org/markup-compatibility/2006">
-    <mc:Choice xmlns:p14="http://schemas.microsoft.com/office/powerpoint/2010/main" Requires="p14">
+  <mc:AlternateContent xmlns:mc="http://schemas.openxmlformats.org/markup-compatibility/2006" xmlns:p14="http://schemas.microsoft.com/office/powerpoint/2010/main">
+    <mc:Choice Requires="p14">
       <p:transition p14:dur="10"/>
     </mc:Choice>
-    <mc:Fallback>
+    <mc:Fallback xmlns="">
       <p:transition/>
     </mc:Fallback>
   </mc:AlternateContent>
@@ -5298,23 +5264,7 @@
                   <a:schemeClr val="bg1"/>
                 </a:solidFill>
               </a:rPr>
-              <a:t>© </a:t>
-            </a:r>
-            <a:r>
-              <a:rPr lang="en-US" sz="1000" dirty="0" smtClean="0">
-                <a:solidFill>
-                  <a:schemeClr val="bg1"/>
-                </a:solidFill>
-              </a:rPr>
-              <a:t>2017 </a:t>
-            </a:r>
-            <a:r>
-              <a:rPr lang="en-US" sz="1000" dirty="0" smtClean="0">
-                <a:solidFill>
-                  <a:schemeClr val="bg1"/>
-                </a:solidFill>
-              </a:rPr>
-              <a:t>Kirkwood Community College, All Rights Reserved</a:t>
+              <a:t>© 2017 Kirkwood Community College, All Rights Reserved</a:t>
             </a:r>
             <a:endParaRPr lang="en-US" sz="1000" dirty="0">
               <a:solidFill>
@@ -5332,8 +5282,8 @@
         </p:nvSpPr>
         <p:spPr>
           <a:xfrm>
-            <a:off x="5103812" y="5943600"/>
-            <a:ext cx="2328710" cy="261610"/>
+            <a:off x="9371012" y="6102292"/>
+            <a:ext cx="957110" cy="261610"/>
           </a:xfrm>
           <a:prstGeom prst="rect">
             <a:avLst/>
@@ -5348,7 +5298,7 @@
           <a:p>
             <a:r>
               <a:rPr lang="en-US" sz="1100" dirty="0" smtClean="0"/>
-              <a:t>Credit: morecoding.wordpress.com</a:t>
+              <a:t>Credit: Sigma</a:t>
             </a:r>
             <a:endParaRPr lang="en-US" sz="1100" dirty="0"/>
           </a:p>
@@ -5356,7 +5306,7 @@
       </p:sp>
       <p:pic>
         <p:nvPicPr>
-          <p:cNvPr id="1028" name="Picture 4" descr="Image result for n-tier architecture"/>
+          <p:cNvPr id="3074" name="Picture 2" descr="https://image.slidesharecdn.com/multi-teamarchitecture-150520120117-lva1-app6891/95/multi-team-architecture-4-638.jpg?cb=1432123345"/>
           <p:cNvPicPr>
             <a:picLocks noChangeAspect="1" noChangeArrowheads="1"/>
           </p:cNvPicPr>
@@ -5377,8 +5327,8 @@
         </p:blipFill>
         <p:spPr bwMode="auto">
           <a:xfrm>
-            <a:off x="3960812" y="141168"/>
-            <a:ext cx="4429125" cy="5721611"/>
+            <a:off x="2470062" y="291863"/>
+            <a:ext cx="7739150" cy="5810429"/>
           </a:xfrm>
           <a:prstGeom prst="rect">
             <a:avLst/>
@@ -5398,18 +5348,18 @@
     </p:spTree>
     <p:extLst>
       <p:ext uri="{BB962C8B-B14F-4D97-AF65-F5344CB8AC3E}">
-        <p14:creationId xmlns:p14="http://schemas.microsoft.com/office/powerpoint/2010/main" val="2722872490"/>
+        <p14:creationId xmlns:p14="http://schemas.microsoft.com/office/powerpoint/2010/main" val="3318234504"/>
       </p:ext>
     </p:extLst>
   </p:cSld>
   <p:clrMapOvr>
     <a:masterClrMapping/>
   </p:clrMapOvr>
-  <mc:AlternateContent xmlns:mc="http://schemas.openxmlformats.org/markup-compatibility/2006">
-    <mc:Choice xmlns:p14="http://schemas.microsoft.com/office/powerpoint/2010/main" Requires="p14">
+  <mc:AlternateContent xmlns:mc="http://schemas.openxmlformats.org/markup-compatibility/2006" xmlns:p14="http://schemas.microsoft.com/office/powerpoint/2010/main">
+    <mc:Choice Requires="p14">
       <p:transition p14:dur="10"/>
     </mc:Choice>
-    <mc:Fallback>
+    <mc:Fallback xmlns="">
       <p:transition/>
     </mc:Fallback>
   </mc:AlternateContent>
@@ -5442,29 +5392,6 @@
       </p:grpSpPr>
       <p:sp>
         <p:nvSpPr>
-          <p:cNvPr id="13" name="Title 12"/>
-          <p:cNvSpPr>
-            <a:spLocks noGrp="1"/>
-          </p:cNvSpPr>
-          <p:nvPr>
-            <p:ph type="title"/>
-          </p:nvPr>
-        </p:nvSpPr>
-        <p:spPr/>
-        <p:txBody>
-          <a:bodyPr/>
-          <a:lstStyle/>
-          <a:p>
-            <a:r>
-              <a:rPr lang="en-US" dirty="0" smtClean="0"/>
-              <a:t>Program Features</a:t>
-            </a:r>
-            <a:endParaRPr lang="en-US" dirty="0"/>
-          </a:p>
-        </p:txBody>
-      </p:sp>
-      <p:sp>
-        <p:nvSpPr>
           <p:cNvPr id="14" name="Content Placeholder 13"/>
           <p:cNvSpPr>
             <a:spLocks noGrp="1"/>
@@ -5485,61 +5412,30 @@
           </a:bodyPr>
           <a:lstStyle/>
           <a:p>
-            <a:pPr marL="0" indent="0" algn="ctr">
+            <a:pPr marL="0" indent="0">
               <a:buNone/>
             </a:pPr>
             <a:endParaRPr lang="en-US" sz="2000" b="1" dirty="0" smtClean="0"/>
           </a:p>
           <a:p>
-            <a:pPr marL="0" indent="0" algn="ctr">
+            <a:pPr marL="0" indent="0">
               <a:buNone/>
             </a:pPr>
             <a:endParaRPr lang="en-US" sz="2000" b="1" dirty="0"/>
           </a:p>
           <a:p>
-            <a:pPr marL="0" indent="0" algn="ctr">
+            <a:pPr marL="0" indent="0">
               <a:buNone/>
             </a:pPr>
             <a:endParaRPr lang="en-US" sz="2000" b="1" dirty="0" smtClean="0"/>
           </a:p>
           <a:p>
-            <a:pPr marL="0" indent="0" algn="ctr">
-              <a:buNone/>
-            </a:pPr>
-            <a:r>
-              <a:rPr lang="en-US" sz="2000" b="1" dirty="0" smtClean="0"/>
-              <a:t>Project </a:t>
-            </a:r>
-            <a:r>
-              <a:rPr lang="en-US" sz="2000" b="1" dirty="0" smtClean="0"/>
-              <a:t>Name : </a:t>
-            </a:r>
-            <a:r>
-              <a:rPr lang="en-US" sz="2000" b="1" dirty="0" smtClean="0"/>
-              <a:t>.NET III (</a:t>
-            </a:r>
-            <a:r>
-              <a:rPr lang="en-US" sz="2000" dirty="0" smtClean="0"/>
-              <a:t>SCSYSTEM</a:t>
-            </a:r>
-            <a:r>
-              <a:rPr lang="en-US" sz="2000" b="1" dirty="0" smtClean="0"/>
-              <a:t> – ASP.NET MVC 5</a:t>
-            </a:r>
-            <a:r>
-              <a:rPr lang="en-US" sz="2000" b="1" dirty="0" smtClean="0"/>
-              <a:t>)</a:t>
-            </a:r>
-          </a:p>
-          <a:p>
-            <a:pPr marL="0" indent="0" algn="ctr">
-              <a:buNone/>
-            </a:pPr>
-            <a:r>
-              <a:rPr lang="en-US" sz="3200" b="1" dirty="0" smtClean="0"/>
-              <a:t>ONION ARCHITECTURE</a:t>
-            </a:r>
-            <a:endParaRPr lang="en-US" sz="3200" b="1" dirty="0" smtClean="0"/>
+            <a:pPr algn="ctr"/>
+            <a:r>
+              <a:rPr lang="en-US" sz="9600" b="1" dirty="0" smtClean="0"/>
+              <a:t>SOFTWARE DESIGN</a:t>
+            </a:r>
+            <a:endParaRPr lang="en-US" sz="9600" b="1" dirty="0"/>
           </a:p>
         </p:txBody>
       </p:sp>
@@ -5573,23 +5469,7 @@
                   <a:schemeClr val="bg1"/>
                 </a:solidFill>
               </a:rPr>
-              <a:t>© </a:t>
-            </a:r>
-            <a:r>
-              <a:rPr lang="en-US" sz="1000" dirty="0" smtClean="0">
-                <a:solidFill>
-                  <a:schemeClr val="bg1"/>
-                </a:solidFill>
-              </a:rPr>
-              <a:t>2017 </a:t>
-            </a:r>
-            <a:r>
-              <a:rPr lang="en-US" sz="1000" dirty="0" smtClean="0">
-                <a:solidFill>
-                  <a:schemeClr val="bg1"/>
-                </a:solidFill>
-              </a:rPr>
-              <a:t>Kirkwood Community College, All Rights Reserved</a:t>
+              <a:t>© 2017 Kirkwood Community College, All Rights Reserved</a:t>
             </a:r>
             <a:endParaRPr lang="en-US" sz="1000" dirty="0">
               <a:solidFill>
@@ -5602,18 +5482,18 @@
     </p:spTree>
     <p:extLst>
       <p:ext uri="{BB962C8B-B14F-4D97-AF65-F5344CB8AC3E}">
-        <p14:creationId xmlns:p14="http://schemas.microsoft.com/office/powerpoint/2010/main" val="2693097579"/>
+        <p14:creationId xmlns:p14="http://schemas.microsoft.com/office/powerpoint/2010/main" val="3806182406"/>
       </p:ext>
     </p:extLst>
   </p:cSld>
   <p:clrMapOvr>
     <a:masterClrMapping/>
   </p:clrMapOvr>
-  <mc:AlternateContent xmlns:mc="http://schemas.openxmlformats.org/markup-compatibility/2006">
-    <mc:Choice xmlns:p14="http://schemas.microsoft.com/office/powerpoint/2010/main" Requires="p14">
+  <mc:AlternateContent xmlns:mc="http://schemas.openxmlformats.org/markup-compatibility/2006" xmlns:p14="http://schemas.microsoft.com/office/powerpoint/2010/main">
+    <mc:Choice Requires="p14">
       <p:transition p14:dur="10"/>
     </mc:Choice>
-    <mc:Fallback>
+    <mc:Fallback xmlns="">
       <p:transition/>
     </mc:Fallback>
   </mc:AlternateContent>
@@ -5646,6 +5526,76 @@
       </p:grpSpPr>
       <p:sp>
         <p:nvSpPr>
+          <p:cNvPr id="13" name="Title 12"/>
+          <p:cNvSpPr>
+            <a:spLocks noGrp="1"/>
+          </p:cNvSpPr>
+          <p:nvPr>
+            <p:ph type="title"/>
+          </p:nvPr>
+        </p:nvSpPr>
+        <p:spPr/>
+        <p:txBody>
+          <a:bodyPr/>
+          <a:lstStyle/>
+          <a:p>
+            <a:r>
+              <a:rPr lang="en-US" dirty="0" smtClean="0"/>
+              <a:t>Software Design – </a:t>
+            </a:r>
+            <a:r>
+              <a:rPr lang="en-US" b="1" dirty="0" smtClean="0"/>
+              <a:t>Schema(</a:t>
+            </a:r>
+            <a:r>
+              <a:rPr lang="en-US" b="1" dirty="0" err="1" smtClean="0"/>
+              <a:t>scysysdb</a:t>
+            </a:r>
+            <a:r>
+              <a:rPr lang="en-US" b="1" dirty="0" smtClean="0"/>
+              <a:t>)</a:t>
+            </a:r>
+            <a:endParaRPr lang="en-US" b="1" dirty="0"/>
+          </a:p>
+        </p:txBody>
+      </p:sp>
+      <p:sp>
+        <p:nvSpPr>
+          <p:cNvPr id="14" name="Content Placeholder 13"/>
+          <p:cNvSpPr>
+            <a:spLocks noGrp="1"/>
+          </p:cNvSpPr>
+          <p:nvPr>
+            <p:ph idx="1"/>
+          </p:nvPr>
+        </p:nvSpPr>
+        <p:spPr>
+          <a:xfrm>
+            <a:off x="1096993" y="1981200"/>
+            <a:ext cx="10055781" cy="4114800"/>
+          </a:xfrm>
+        </p:spPr>
+        <p:txBody>
+          <a:bodyPr>
+            <a:noAutofit/>
+          </a:bodyPr>
+          <a:lstStyle/>
+          <a:p>
+            <a:pPr marL="0" indent="0">
+              <a:buNone/>
+            </a:pPr>
+            <a:endParaRPr lang="en-US" sz="2000" b="1" dirty="0" smtClean="0"/>
+          </a:p>
+          <a:p>
+            <a:pPr marL="0" indent="0">
+              <a:buNone/>
+            </a:pPr>
+            <a:endParaRPr lang="en-US" sz="2000" b="1" dirty="0"/>
+          </a:p>
+        </p:txBody>
+      </p:sp>
+      <p:sp>
+        <p:nvSpPr>
           <p:cNvPr id="6" name="TextBox 5">
             <a:hlinkClick r:id="rId2"/>
           </p:cNvPr>
@@ -5674,23 +5624,7 @@
                   <a:schemeClr val="bg1"/>
                 </a:solidFill>
               </a:rPr>
-              <a:t>© </a:t>
-            </a:r>
-            <a:r>
-              <a:rPr lang="en-US" sz="1000" dirty="0" smtClean="0">
-                <a:solidFill>
-                  <a:schemeClr val="bg1"/>
-                </a:solidFill>
-              </a:rPr>
-              <a:t>2017 </a:t>
-            </a:r>
-            <a:r>
-              <a:rPr lang="en-US" sz="1000" dirty="0" smtClean="0">
-                <a:solidFill>
-                  <a:schemeClr val="bg1"/>
-                </a:solidFill>
-              </a:rPr>
-              <a:t>Kirkwood Community College, All Rights Reserved</a:t>
+              <a:t>© 2017 Kirkwood Community College, All Rights Reserved</a:t>
             </a:r>
             <a:endParaRPr lang="en-US" sz="1000" dirty="0">
               <a:solidFill>
@@ -5700,92 +5634,45 @@
           </a:p>
         </p:txBody>
       </p:sp>
-      <p:sp>
-        <p:nvSpPr>
-          <p:cNvPr id="3" name="TextBox 2"/>
-          <p:cNvSpPr txBox="1"/>
-          <p:nvPr/>
-        </p:nvSpPr>
-        <p:spPr>
-          <a:xfrm>
-            <a:off x="9371012" y="6102292"/>
-            <a:ext cx="957110" cy="261610"/>
-          </a:xfrm>
-          <a:prstGeom prst="rect">
-            <a:avLst/>
-          </a:prstGeom>
-          <a:noFill/>
-        </p:spPr>
-        <p:txBody>
-          <a:bodyPr wrap="square" rtlCol="0">
-            <a:spAutoFit/>
-          </a:bodyPr>
-          <a:lstStyle/>
-          <a:p>
-            <a:r>
-              <a:rPr lang="en-US" sz="1100" dirty="0" smtClean="0"/>
-              <a:t>Credit: Sigma</a:t>
-            </a:r>
-            <a:endParaRPr lang="en-US" sz="1100" dirty="0"/>
-          </a:p>
-        </p:txBody>
-      </p:sp>
       <p:pic>
         <p:nvPicPr>
-          <p:cNvPr id="3074" name="Picture 2" descr="https://image.slidesharecdn.com/multi-teamarchitecture-150520120117-lva1-app6891/95/multi-team-architecture-4-638.jpg?cb=1432123345"/>
+          <p:cNvPr id="2" name="Picture 1"/>
           <p:cNvPicPr>
-            <a:picLocks noChangeAspect="1" noChangeArrowheads="1"/>
+            <a:picLocks noChangeAspect="1"/>
           </p:cNvPicPr>
           <p:nvPr/>
         </p:nvPicPr>
         <p:blipFill>
-          <a:blip r:embed="rId3">
-            <a:extLst>
-              <a:ext uri="{28A0092B-C50C-407E-A947-70E740481C1C}">
-                <a14:useLocalDpi xmlns:a14="http://schemas.microsoft.com/office/drawing/2010/main" val="0"/>
-              </a:ext>
-            </a:extLst>
-          </a:blip>
-          <a:srcRect/>
+          <a:blip r:embed="rId3"/>
           <a:stretch>
             <a:fillRect/>
           </a:stretch>
         </p:blipFill>
-        <p:spPr bwMode="auto">
-          <a:xfrm>
-            <a:off x="2470062" y="291863"/>
-            <a:ext cx="7739150" cy="5810429"/>
+        <p:spPr>
+          <a:xfrm>
+            <a:off x="3503612" y="1820440"/>
+            <a:ext cx="5638800" cy="4427960"/>
           </a:xfrm>
           <a:prstGeom prst="rect">
             <a:avLst/>
           </a:prstGeom>
-          <a:noFill/>
-          <a:extLst>
-            <a:ext uri="{909E8E84-426E-40DD-AFC4-6F175D3DCCD1}">
-              <a14:hiddenFill xmlns:a14="http://schemas.microsoft.com/office/drawing/2010/main">
-                <a:solidFill>
-                  <a:srgbClr val="FFFFFF"/>
-                </a:solidFill>
-              </a14:hiddenFill>
-            </a:ext>
-          </a:extLst>
         </p:spPr>
       </p:pic>
     </p:spTree>
     <p:extLst>
       <p:ext uri="{BB962C8B-B14F-4D97-AF65-F5344CB8AC3E}">
-        <p14:creationId xmlns:p14="http://schemas.microsoft.com/office/powerpoint/2010/main" val="3318234504"/>
+        <p14:creationId xmlns:p14="http://schemas.microsoft.com/office/powerpoint/2010/main" val="602672164"/>
       </p:ext>
     </p:extLst>
   </p:cSld>
   <p:clrMapOvr>
     <a:masterClrMapping/>
   </p:clrMapOvr>
-  <mc:AlternateContent xmlns:mc="http://schemas.openxmlformats.org/markup-compatibility/2006">
-    <mc:Choice xmlns:p14="http://schemas.microsoft.com/office/powerpoint/2010/main" Requires="p14">
+  <mc:AlternateContent xmlns:mc="http://schemas.openxmlformats.org/markup-compatibility/2006" xmlns:p14="http://schemas.microsoft.com/office/powerpoint/2010/main">
+    <mc:Choice Requires="p14">
       <p:transition p14:dur="10"/>
     </mc:Choice>
-    <mc:Fallback>
+    <mc:Fallback xmlns="">
       <p:transition/>
     </mc:Fallback>
   </mc:AlternateContent>
@@ -5818,6 +5705,37 @@
       </p:grpSpPr>
       <p:sp>
         <p:nvSpPr>
+          <p:cNvPr id="13" name="Title 12"/>
+          <p:cNvSpPr>
+            <a:spLocks noGrp="1"/>
+          </p:cNvSpPr>
+          <p:nvPr>
+            <p:ph type="title"/>
+          </p:nvPr>
+        </p:nvSpPr>
+        <p:spPr/>
+        <p:txBody>
+          <a:bodyPr/>
+          <a:lstStyle/>
+          <a:p>
+            <a:r>
+              <a:rPr lang="en-US" dirty="0" smtClean="0"/>
+              <a:t>Software Design – </a:t>
+            </a:r>
+            <a:r>
+              <a:rPr lang="en-US" b="1" dirty="0" smtClean="0"/>
+              <a:t>Schema</a:t>
+            </a:r>
+            <a:r>
+              <a:rPr lang="en-US" sz="3600" b="1" dirty="0" smtClean="0"/>
+              <a:t>(Identity Tables)</a:t>
+            </a:r>
+            <a:endParaRPr lang="en-US" b="1" dirty="0"/>
+          </a:p>
+        </p:txBody>
+      </p:sp>
+      <p:sp>
+        <p:nvSpPr>
           <p:cNvPr id="14" name="Content Placeholder 13"/>
           <p:cNvSpPr>
             <a:spLocks noGrp="1"/>
@@ -5848,20 +5766,6 @@
               <a:buNone/>
             </a:pPr>
             <a:endParaRPr lang="en-US" sz="2000" b="1" dirty="0"/>
-          </a:p>
-          <a:p>
-            <a:pPr marL="0" indent="0">
-              <a:buNone/>
-            </a:pPr>
-            <a:endParaRPr lang="en-US" sz="2000" b="1" dirty="0" smtClean="0"/>
-          </a:p>
-          <a:p>
-            <a:pPr algn="ctr"/>
-            <a:r>
-              <a:rPr lang="en-US" sz="9600" b="1" dirty="0" smtClean="0"/>
-              <a:t>SOFTWARE DESIGN</a:t>
-            </a:r>
-            <a:endParaRPr lang="en-US" sz="9600" b="1" dirty="0"/>
           </a:p>
         </p:txBody>
       </p:sp>
@@ -5895,23 +5799,7 @@
                   <a:schemeClr val="bg1"/>
                 </a:solidFill>
               </a:rPr>
-              <a:t>© </a:t>
-            </a:r>
-            <a:r>
-              <a:rPr lang="en-US" sz="1000" dirty="0" smtClean="0">
-                <a:solidFill>
-                  <a:schemeClr val="bg1"/>
-                </a:solidFill>
-              </a:rPr>
-              <a:t>2017 </a:t>
-            </a:r>
-            <a:r>
-              <a:rPr lang="en-US" sz="1000" dirty="0" smtClean="0">
-                <a:solidFill>
-                  <a:schemeClr val="bg1"/>
-                </a:solidFill>
-              </a:rPr>
-              <a:t>Kirkwood Community College, All Rights Reserved</a:t>
+              <a:t>© 2017 Kirkwood Community College, All Rights Reserved</a:t>
             </a:r>
             <a:endParaRPr lang="en-US" sz="1000" dirty="0">
               <a:solidFill>
@@ -5921,10 +5809,34 @@
           </a:p>
         </p:txBody>
       </p:sp>
+      <p:pic>
+        <p:nvPicPr>
+          <p:cNvPr id="7" name="Picture 6"/>
+          <p:cNvPicPr>
+            <a:picLocks noChangeAspect="1"/>
+          </p:cNvPicPr>
+          <p:nvPr/>
+        </p:nvPicPr>
+        <p:blipFill>
+          <a:blip r:embed="rId3"/>
+          <a:stretch>
+            <a:fillRect/>
+          </a:stretch>
+        </p:blipFill>
+        <p:spPr>
+          <a:xfrm>
+            <a:off x="2436812" y="1828800"/>
+            <a:ext cx="7696200" cy="4362470"/>
+          </a:xfrm>
+          <a:prstGeom prst="rect">
+            <a:avLst/>
+          </a:prstGeom>
+        </p:spPr>
+      </p:pic>
     </p:spTree>
     <p:extLst>
       <p:ext uri="{BB962C8B-B14F-4D97-AF65-F5344CB8AC3E}">
-        <p14:creationId xmlns:p14="http://schemas.microsoft.com/office/powerpoint/2010/main" val="3806182406"/>
+        <p14:creationId xmlns:p14="http://schemas.microsoft.com/office/powerpoint/2010/main" val="491986481"/>
       </p:ext>
     </p:extLst>
   </p:cSld>
@@ -5968,400 +5880,6 @@
       </p:grpSpPr>
       <p:sp>
         <p:nvSpPr>
-          <p:cNvPr id="13" name="Title 12"/>
-          <p:cNvSpPr>
-            <a:spLocks noGrp="1"/>
-          </p:cNvSpPr>
-          <p:nvPr>
-            <p:ph type="title"/>
-          </p:nvPr>
-        </p:nvSpPr>
-        <p:spPr/>
-        <p:txBody>
-          <a:bodyPr/>
-          <a:lstStyle/>
-          <a:p>
-            <a:r>
-              <a:rPr lang="en-US" dirty="0" smtClean="0"/>
-              <a:t>Software </a:t>
-            </a:r>
-            <a:r>
-              <a:rPr lang="en-US" dirty="0" smtClean="0"/>
-              <a:t>Design – </a:t>
-            </a:r>
-            <a:r>
-              <a:rPr lang="en-US" b="1" dirty="0" smtClean="0"/>
-              <a:t>Schema(</a:t>
-            </a:r>
-            <a:r>
-              <a:rPr lang="en-US" b="1" dirty="0" err="1" smtClean="0"/>
-              <a:t>scysysdb</a:t>
-            </a:r>
-            <a:r>
-              <a:rPr lang="en-US" b="1" dirty="0" smtClean="0"/>
-              <a:t>)</a:t>
-            </a:r>
-            <a:endParaRPr lang="en-US" b="1" dirty="0"/>
-          </a:p>
-        </p:txBody>
-      </p:sp>
-      <p:sp>
-        <p:nvSpPr>
-          <p:cNvPr id="14" name="Content Placeholder 13"/>
-          <p:cNvSpPr>
-            <a:spLocks noGrp="1"/>
-          </p:cNvSpPr>
-          <p:nvPr>
-            <p:ph idx="1"/>
-          </p:nvPr>
-        </p:nvSpPr>
-        <p:spPr>
-          <a:xfrm>
-            <a:off x="1096993" y="1981200"/>
-            <a:ext cx="10055781" cy="4114800"/>
-          </a:xfrm>
-        </p:spPr>
-        <p:txBody>
-          <a:bodyPr>
-            <a:noAutofit/>
-          </a:bodyPr>
-          <a:lstStyle/>
-          <a:p>
-            <a:pPr marL="0" indent="0">
-              <a:buNone/>
-            </a:pPr>
-            <a:endParaRPr lang="en-US" sz="2000" b="1" dirty="0" smtClean="0"/>
-          </a:p>
-          <a:p>
-            <a:pPr marL="0" indent="0">
-              <a:buNone/>
-            </a:pPr>
-            <a:endParaRPr lang="en-US" sz="2000" b="1" dirty="0"/>
-          </a:p>
-        </p:txBody>
-      </p:sp>
-      <p:sp>
-        <p:nvSpPr>
-          <p:cNvPr id="6" name="TextBox 5">
-            <a:hlinkClick r:id="rId2"/>
-          </p:cNvPr>
-          <p:cNvSpPr txBox="1"/>
-          <p:nvPr/>
-        </p:nvSpPr>
-        <p:spPr>
-          <a:xfrm>
-            <a:off x="8913812" y="6629400"/>
-            <a:ext cx="3352801" cy="246221"/>
-          </a:xfrm>
-          <a:prstGeom prst="rect">
-            <a:avLst/>
-          </a:prstGeom>
-          <a:noFill/>
-        </p:spPr>
-        <p:txBody>
-          <a:bodyPr wrap="square" rtlCol="0">
-            <a:spAutoFit/>
-          </a:bodyPr>
-          <a:lstStyle/>
-          <a:p>
-            <a:r>
-              <a:rPr lang="en-US" sz="1000" dirty="0" smtClean="0">
-                <a:solidFill>
-                  <a:schemeClr val="bg1"/>
-                </a:solidFill>
-              </a:rPr>
-              <a:t>© </a:t>
-            </a:r>
-            <a:r>
-              <a:rPr lang="en-US" sz="1000" dirty="0" smtClean="0">
-                <a:solidFill>
-                  <a:schemeClr val="bg1"/>
-                </a:solidFill>
-              </a:rPr>
-              <a:t>2017 </a:t>
-            </a:r>
-            <a:r>
-              <a:rPr lang="en-US" sz="1000" dirty="0" smtClean="0">
-                <a:solidFill>
-                  <a:schemeClr val="bg1"/>
-                </a:solidFill>
-              </a:rPr>
-              <a:t>Kirkwood Community College, All Rights Reserved</a:t>
-            </a:r>
-            <a:endParaRPr lang="en-US" sz="1000" dirty="0">
-              <a:solidFill>
-                <a:schemeClr val="bg1"/>
-              </a:solidFill>
-            </a:endParaRPr>
-          </a:p>
-        </p:txBody>
-      </p:sp>
-      <p:pic>
-        <p:nvPicPr>
-          <p:cNvPr id="2" name="Picture 1"/>
-          <p:cNvPicPr>
-            <a:picLocks noChangeAspect="1"/>
-          </p:cNvPicPr>
-          <p:nvPr/>
-        </p:nvPicPr>
-        <p:blipFill>
-          <a:blip r:embed="rId3"/>
-          <a:stretch>
-            <a:fillRect/>
-          </a:stretch>
-        </p:blipFill>
-        <p:spPr>
-          <a:xfrm>
-            <a:off x="3503612" y="1820440"/>
-            <a:ext cx="5638800" cy="4427960"/>
-          </a:xfrm>
-          <a:prstGeom prst="rect">
-            <a:avLst/>
-          </a:prstGeom>
-        </p:spPr>
-      </p:pic>
-    </p:spTree>
-    <p:extLst>
-      <p:ext uri="{BB962C8B-B14F-4D97-AF65-F5344CB8AC3E}">
-        <p14:creationId xmlns:p14="http://schemas.microsoft.com/office/powerpoint/2010/main" val="602672164"/>
-      </p:ext>
-    </p:extLst>
-  </p:cSld>
-  <p:clrMapOvr>
-    <a:masterClrMapping/>
-  </p:clrMapOvr>
-  <mc:AlternateContent xmlns:mc="http://schemas.openxmlformats.org/markup-compatibility/2006" xmlns:p14="http://schemas.microsoft.com/office/powerpoint/2010/main">
-    <mc:Choice Requires="p14">
-      <p:transition p14:dur="10"/>
-    </mc:Choice>
-    <mc:Fallback xmlns="">
-      <p:transition/>
-    </mc:Fallback>
-  </mc:AlternateContent>
-  <p:timing>
-    <p:tnLst>
-      <p:par>
-        <p:cTn id="1" dur="indefinite" restart="never" nodeType="tmRoot"/>
-      </p:par>
-    </p:tnLst>
-  </p:timing>
-</p:sld>
-</file>
-
-<file path=ppt/slides/slide18.xml><?xml version="1.0" encoding="utf-8"?>
-<p:sld xmlns:a="http://schemas.openxmlformats.org/drawingml/2006/main" xmlns:r="http://schemas.openxmlformats.org/officeDocument/2006/relationships" xmlns:p="http://schemas.openxmlformats.org/presentationml/2006/main">
-  <p:cSld>
-    <p:spTree>
-      <p:nvGrpSpPr>
-        <p:cNvPr id="1" name=""/>
-        <p:cNvGrpSpPr/>
-        <p:nvPr/>
-      </p:nvGrpSpPr>
-      <p:grpSpPr>
-        <a:xfrm>
-          <a:off x="0" y="0"/>
-          <a:ext cx="0" cy="0"/>
-          <a:chOff x="0" y="0"/>
-          <a:chExt cx="0" cy="0"/>
-        </a:xfrm>
-      </p:grpSpPr>
-      <p:sp>
-        <p:nvSpPr>
-          <p:cNvPr id="13" name="Title 12"/>
-          <p:cNvSpPr>
-            <a:spLocks noGrp="1"/>
-          </p:cNvSpPr>
-          <p:nvPr>
-            <p:ph type="title"/>
-          </p:nvPr>
-        </p:nvSpPr>
-        <p:spPr/>
-        <p:txBody>
-          <a:bodyPr/>
-          <a:lstStyle/>
-          <a:p>
-            <a:r>
-              <a:rPr lang="en-US" dirty="0" smtClean="0"/>
-              <a:t>Software </a:t>
-            </a:r>
-            <a:r>
-              <a:rPr lang="en-US" dirty="0" smtClean="0"/>
-              <a:t>Design – </a:t>
-            </a:r>
-            <a:r>
-              <a:rPr lang="en-US" b="1" dirty="0" smtClean="0"/>
-              <a:t>Schema</a:t>
-            </a:r>
-            <a:r>
-              <a:rPr lang="en-US" sz="3600" b="1" dirty="0" smtClean="0"/>
-              <a:t>(Identity Tables)</a:t>
-            </a:r>
-            <a:endParaRPr lang="en-US" b="1" dirty="0"/>
-          </a:p>
-        </p:txBody>
-      </p:sp>
-      <p:sp>
-        <p:nvSpPr>
-          <p:cNvPr id="14" name="Content Placeholder 13"/>
-          <p:cNvSpPr>
-            <a:spLocks noGrp="1"/>
-          </p:cNvSpPr>
-          <p:nvPr>
-            <p:ph idx="1"/>
-          </p:nvPr>
-        </p:nvSpPr>
-        <p:spPr>
-          <a:xfrm>
-            <a:off x="1096993" y="1981200"/>
-            <a:ext cx="10055781" cy="4114800"/>
-          </a:xfrm>
-        </p:spPr>
-        <p:txBody>
-          <a:bodyPr>
-            <a:noAutofit/>
-          </a:bodyPr>
-          <a:lstStyle/>
-          <a:p>
-            <a:pPr marL="0" indent="0">
-              <a:buNone/>
-            </a:pPr>
-            <a:endParaRPr lang="en-US" sz="2000" b="1" dirty="0" smtClean="0"/>
-          </a:p>
-          <a:p>
-            <a:pPr marL="0" indent="0">
-              <a:buNone/>
-            </a:pPr>
-            <a:endParaRPr lang="en-US" sz="2000" b="1" dirty="0"/>
-          </a:p>
-        </p:txBody>
-      </p:sp>
-      <p:sp>
-        <p:nvSpPr>
-          <p:cNvPr id="6" name="TextBox 5">
-            <a:hlinkClick r:id="rId2"/>
-          </p:cNvPr>
-          <p:cNvSpPr txBox="1"/>
-          <p:nvPr/>
-        </p:nvSpPr>
-        <p:spPr>
-          <a:xfrm>
-            <a:off x="8913812" y="6629400"/>
-            <a:ext cx="3352801" cy="246221"/>
-          </a:xfrm>
-          <a:prstGeom prst="rect">
-            <a:avLst/>
-          </a:prstGeom>
-          <a:noFill/>
-        </p:spPr>
-        <p:txBody>
-          <a:bodyPr wrap="square" rtlCol="0">
-            <a:spAutoFit/>
-          </a:bodyPr>
-          <a:lstStyle/>
-          <a:p>
-            <a:r>
-              <a:rPr lang="en-US" sz="1000" dirty="0" smtClean="0">
-                <a:solidFill>
-                  <a:schemeClr val="bg1"/>
-                </a:solidFill>
-              </a:rPr>
-              <a:t>© </a:t>
-            </a:r>
-            <a:r>
-              <a:rPr lang="en-US" sz="1000" dirty="0" smtClean="0">
-                <a:solidFill>
-                  <a:schemeClr val="bg1"/>
-                </a:solidFill>
-              </a:rPr>
-              <a:t>2017 </a:t>
-            </a:r>
-            <a:r>
-              <a:rPr lang="en-US" sz="1000" dirty="0" smtClean="0">
-                <a:solidFill>
-                  <a:schemeClr val="bg1"/>
-                </a:solidFill>
-              </a:rPr>
-              <a:t>Kirkwood Community College, All Rights Reserved</a:t>
-            </a:r>
-            <a:endParaRPr lang="en-US" sz="1000" dirty="0">
-              <a:solidFill>
-                <a:schemeClr val="bg1"/>
-              </a:solidFill>
-            </a:endParaRPr>
-          </a:p>
-        </p:txBody>
-      </p:sp>
-      <p:pic>
-        <p:nvPicPr>
-          <p:cNvPr id="7" name="Picture 6"/>
-          <p:cNvPicPr>
-            <a:picLocks noChangeAspect="1"/>
-          </p:cNvPicPr>
-          <p:nvPr/>
-        </p:nvPicPr>
-        <p:blipFill>
-          <a:blip r:embed="rId3"/>
-          <a:stretch>
-            <a:fillRect/>
-          </a:stretch>
-        </p:blipFill>
-        <p:spPr>
-          <a:xfrm>
-            <a:off x="2436812" y="1828800"/>
-            <a:ext cx="7696200" cy="4362470"/>
-          </a:xfrm>
-          <a:prstGeom prst="rect">
-            <a:avLst/>
-          </a:prstGeom>
-        </p:spPr>
-      </p:pic>
-    </p:spTree>
-    <p:extLst>
-      <p:ext uri="{BB962C8B-B14F-4D97-AF65-F5344CB8AC3E}">
-        <p14:creationId xmlns:p14="http://schemas.microsoft.com/office/powerpoint/2010/main" val="491986481"/>
-      </p:ext>
-    </p:extLst>
-  </p:cSld>
-  <p:clrMapOvr>
-    <a:masterClrMapping/>
-  </p:clrMapOvr>
-  <mc:AlternateContent xmlns:mc="http://schemas.openxmlformats.org/markup-compatibility/2006">
-    <mc:Choice xmlns:p14="http://schemas.microsoft.com/office/powerpoint/2010/main" Requires="p14">
-      <p:transition p14:dur="10"/>
-    </mc:Choice>
-    <mc:Fallback>
-      <p:transition/>
-    </mc:Fallback>
-  </mc:AlternateContent>
-  <p:timing>
-    <p:tnLst>
-      <p:par>
-        <p:cTn id="1" dur="indefinite" restart="never" nodeType="tmRoot"/>
-      </p:par>
-    </p:tnLst>
-  </p:timing>
-</p:sld>
-</file>
-
-<file path=ppt/slides/slide19.xml><?xml version="1.0" encoding="utf-8"?>
-<p:sld xmlns:a="http://schemas.openxmlformats.org/drawingml/2006/main" xmlns:r="http://schemas.openxmlformats.org/officeDocument/2006/relationships" xmlns:p="http://schemas.openxmlformats.org/presentationml/2006/main">
-  <p:cSld>
-    <p:spTree>
-      <p:nvGrpSpPr>
-        <p:cNvPr id="1" name=""/>
-        <p:cNvGrpSpPr/>
-        <p:nvPr/>
-      </p:nvGrpSpPr>
-      <p:grpSpPr>
-        <a:xfrm>
-          <a:off x="0" y="0"/>
-          <a:ext cx="0" cy="0"/>
-          <a:chOff x="0" y="0"/>
-          <a:chExt cx="0" cy="0"/>
-        </a:xfrm>
-      </p:grpSpPr>
-      <p:sp>
-        <p:nvSpPr>
           <p:cNvPr id="3" name="Title 2"/>
           <p:cNvSpPr>
             <a:spLocks noGrp="1"/>
@@ -6417,11 +5935,7 @@
             </a:pPr>
             <a:r>
               <a:rPr lang="en-US" sz="1200" dirty="0" smtClean="0"/>
-              <a:t>6301 </a:t>
-            </a:r>
-            <a:r>
-              <a:rPr lang="en-US" sz="1200" dirty="0" smtClean="0"/>
-              <a:t>KIRKWOOD BLVD SW</a:t>
+              <a:t>6301 KIRKWOOD BLVD SW</a:t>
             </a:r>
           </a:p>
           <a:p>
@@ -6540,23 +6054,7 @@
                   <a:schemeClr val="bg1"/>
                 </a:solidFill>
               </a:rPr>
-              <a:t>© </a:t>
-            </a:r>
-            <a:r>
-              <a:rPr lang="en-US" sz="1000" dirty="0" smtClean="0">
-                <a:solidFill>
-                  <a:schemeClr val="bg1"/>
-                </a:solidFill>
-              </a:rPr>
-              <a:t>2017 </a:t>
-            </a:r>
-            <a:r>
-              <a:rPr lang="en-US" sz="1000" dirty="0" smtClean="0">
-                <a:solidFill>
-                  <a:schemeClr val="bg1"/>
-                </a:solidFill>
-              </a:rPr>
-              <a:t>Kirkwood Community College, All Rights Reserved</a:t>
+              <a:t>© 2017 Kirkwood Community College, All Rights Reserved</a:t>
             </a:r>
             <a:endParaRPr lang="en-US" sz="1000" dirty="0">
               <a:solidFill>
@@ -6662,11 +6160,7 @@
             </a:pPr>
             <a:r>
               <a:rPr lang="en-US" sz="3600" dirty="0" smtClean="0"/>
-              <a:t>Project </a:t>
-            </a:r>
-            <a:r>
-              <a:rPr lang="en-US" sz="3600" dirty="0" smtClean="0"/>
-              <a:t>Summary</a:t>
+              <a:t>Project Summary</a:t>
             </a:r>
           </a:p>
           <a:p>
@@ -6678,7 +6172,6 @@
               <a:rPr lang="en-US" sz="3600" dirty="0" smtClean="0"/>
               <a:t>Problem</a:t>
             </a:r>
-            <a:endParaRPr lang="en-US" sz="3600" dirty="0" smtClean="0"/>
           </a:p>
           <a:p>
             <a:pPr marL="1768475" indent="-1708150">
@@ -6689,7 +6182,6 @@
               <a:rPr lang="en-US" sz="3600" dirty="0" smtClean="0"/>
               <a:t>Project Team</a:t>
             </a:r>
-            <a:endParaRPr lang="en-US" sz="3600" dirty="0" smtClean="0"/>
           </a:p>
           <a:p>
             <a:pPr marL="1768475" indent="-1708150">
@@ -6749,23 +6241,7 @@
                   <a:schemeClr val="bg1"/>
                 </a:solidFill>
               </a:rPr>
-              <a:t>© </a:t>
-            </a:r>
-            <a:r>
-              <a:rPr lang="en-US" sz="1000" dirty="0" smtClean="0">
-                <a:solidFill>
-                  <a:schemeClr val="bg1"/>
-                </a:solidFill>
-              </a:rPr>
-              <a:t>2017 </a:t>
-            </a:r>
-            <a:r>
-              <a:rPr lang="en-US" sz="1000" dirty="0" smtClean="0">
-                <a:solidFill>
-                  <a:schemeClr val="bg1"/>
-                </a:solidFill>
-              </a:rPr>
-              <a:t>Kirkwood Community College, All Rights Reserved</a:t>
+              <a:t>© 2017 Kirkwood Community College, All Rights Reserved</a:t>
             </a:r>
             <a:endParaRPr lang="en-US" sz="1000" dirty="0">
               <a:solidFill>
@@ -6948,79 +6424,47 @@
                   <a:schemeClr val="bg1"/>
                 </a:solidFill>
               </a:rPr>
-              <a:t>© </a:t>
-            </a:r>
+              <a:t>© 2017 Kirkwood Community College, All Rights Reserved</a:t>
+            </a:r>
+            <a:endParaRPr lang="en-US" sz="1000" dirty="0">
+              <a:solidFill>
+                <a:schemeClr val="bg1"/>
+              </a:solidFill>
+            </a:endParaRPr>
+          </a:p>
+        </p:txBody>
+      </p:sp>
+      <p:sp>
+        <p:nvSpPr>
+          <p:cNvPr id="5" name="TextBox 4">
+            <a:hlinkClick r:id="rId2"/>
+          </p:cNvPr>
+          <p:cNvSpPr txBox="1"/>
+          <p:nvPr/>
+        </p:nvSpPr>
+        <p:spPr>
+          <a:xfrm>
+            <a:off x="9066212" y="6781800"/>
+            <a:ext cx="3352801" cy="246221"/>
+          </a:xfrm>
+          <a:prstGeom prst="rect">
+            <a:avLst/>
+          </a:prstGeom>
+          <a:noFill/>
+        </p:spPr>
+        <p:txBody>
+          <a:bodyPr wrap="square" rtlCol="0">
+            <a:spAutoFit/>
+          </a:bodyPr>
+          <a:lstStyle/>
+          <a:p>
             <a:r>
               <a:rPr lang="en-US" sz="1000" dirty="0" smtClean="0">
                 <a:solidFill>
                   <a:schemeClr val="bg1"/>
                 </a:solidFill>
               </a:rPr>
-              <a:t>2017 </a:t>
-            </a:r>
-            <a:r>
-              <a:rPr lang="en-US" sz="1000" dirty="0" smtClean="0">
-                <a:solidFill>
-                  <a:schemeClr val="bg1"/>
-                </a:solidFill>
-              </a:rPr>
-              <a:t>Kirkwood Community College, All Rights Reserved</a:t>
-            </a:r>
-            <a:endParaRPr lang="en-US" sz="1000" dirty="0">
-              <a:solidFill>
-                <a:schemeClr val="bg1"/>
-              </a:solidFill>
-            </a:endParaRPr>
-          </a:p>
-        </p:txBody>
-      </p:sp>
-      <p:sp>
-        <p:nvSpPr>
-          <p:cNvPr id="5" name="TextBox 4">
-            <a:hlinkClick r:id="rId2"/>
-          </p:cNvPr>
-          <p:cNvSpPr txBox="1"/>
-          <p:nvPr/>
-        </p:nvSpPr>
-        <p:spPr>
-          <a:xfrm>
-            <a:off x="9066212" y="6781800"/>
-            <a:ext cx="3352801" cy="246221"/>
-          </a:xfrm>
-          <a:prstGeom prst="rect">
-            <a:avLst/>
-          </a:prstGeom>
-          <a:noFill/>
-        </p:spPr>
-        <p:txBody>
-          <a:bodyPr wrap="square" rtlCol="0">
-            <a:spAutoFit/>
-          </a:bodyPr>
-          <a:lstStyle/>
-          <a:p>
-            <a:r>
-              <a:rPr lang="en-US" sz="1000" dirty="0" smtClean="0">
-                <a:solidFill>
-                  <a:schemeClr val="bg1"/>
-                </a:solidFill>
-              </a:rPr>
-              <a:t>© </a:t>
-            </a:r>
-            <a:r>
-              <a:rPr lang="en-US" sz="1000" dirty="0" smtClean="0">
-                <a:solidFill>
-                  <a:schemeClr val="bg1"/>
-                </a:solidFill>
-              </a:rPr>
-              <a:t>2017 </a:t>
-            </a:r>
-            <a:r>
-              <a:rPr lang="en-US" sz="1000" dirty="0" smtClean="0">
-                <a:solidFill>
-                  <a:schemeClr val="bg1"/>
-                </a:solidFill>
-              </a:rPr>
-              <a:t>Kirkwood Community College, All Rights Reserved</a:t>
+              <a:t>© 2017 Kirkwood Community College, All Rights Reserved</a:t>
             </a:r>
             <a:endParaRPr lang="en-US" sz="1000" dirty="0">
               <a:solidFill>
@@ -7154,23 +6598,7 @@
                   <a:schemeClr val="bg1"/>
                 </a:solidFill>
               </a:rPr>
-              <a:t>© </a:t>
-            </a:r>
-            <a:r>
-              <a:rPr lang="en-US" sz="1000" dirty="0" smtClean="0">
-                <a:solidFill>
-                  <a:schemeClr val="bg1"/>
-                </a:solidFill>
-              </a:rPr>
-              <a:t>2017 </a:t>
-            </a:r>
-            <a:r>
-              <a:rPr lang="en-US" sz="1000" dirty="0" smtClean="0">
-                <a:solidFill>
-                  <a:schemeClr val="bg1"/>
-                </a:solidFill>
-              </a:rPr>
-              <a:t>Kirkwood Community College, All Rights Reserved</a:t>
+              <a:t>© 2017 Kirkwood Community College, All Rights Reserved</a:t>
             </a:r>
             <a:endParaRPr lang="en-US" sz="1000" dirty="0">
               <a:solidFill>
@@ -7356,23 +6784,7 @@
                   <a:schemeClr val="bg1"/>
                 </a:solidFill>
               </a:rPr>
-              <a:t>© </a:t>
-            </a:r>
-            <a:r>
-              <a:rPr lang="en-US" sz="1000" dirty="0" smtClean="0">
-                <a:solidFill>
-                  <a:schemeClr val="bg1"/>
-                </a:solidFill>
-              </a:rPr>
-              <a:t>2017 </a:t>
-            </a:r>
-            <a:r>
-              <a:rPr lang="en-US" sz="1000" dirty="0" smtClean="0">
-                <a:solidFill>
-                  <a:schemeClr val="bg1"/>
-                </a:solidFill>
-              </a:rPr>
-              <a:t>Kirkwood Community College, All Rights Reserved</a:t>
+              <a:t>© 2017 Kirkwood Community College, All Rights Reserved</a:t>
             </a:r>
             <a:endParaRPr lang="en-US" sz="1000" dirty="0">
               <a:solidFill>
@@ -7470,7 +6882,15 @@
             <a:pPr algn="ctr"/>
             <a:r>
               <a:rPr lang="en-US" sz="9600" b="1" dirty="0" smtClean="0"/>
-              <a:t>THE OBJECTIVE</a:t>
+              <a:t>PROJECT </a:t>
+            </a:r>
+            <a:endParaRPr lang="en-US" sz="9600" b="1" dirty="0"/>
+          </a:p>
+          <a:p>
+            <a:pPr algn="ctr"/>
+            <a:r>
+              <a:rPr lang="en-US" sz="9600" b="1" dirty="0" smtClean="0"/>
+              <a:t>SUMMARY</a:t>
             </a:r>
             <a:endParaRPr lang="en-US" sz="9600" b="1" dirty="0"/>
           </a:p>
@@ -7506,23 +6926,7 @@
                   <a:schemeClr val="bg1"/>
                 </a:solidFill>
               </a:rPr>
-              <a:t>© </a:t>
-            </a:r>
-            <a:r>
-              <a:rPr lang="en-US" sz="1000" dirty="0" smtClean="0">
-                <a:solidFill>
-                  <a:schemeClr val="bg1"/>
-                </a:solidFill>
-              </a:rPr>
-              <a:t>2017 </a:t>
-            </a:r>
-            <a:r>
-              <a:rPr lang="en-US" sz="1000" dirty="0" smtClean="0">
-                <a:solidFill>
-                  <a:schemeClr val="bg1"/>
-                </a:solidFill>
-              </a:rPr>
-              <a:t>Kirkwood Community College, All Rights Reserved</a:t>
+              <a:t>© 2017 Kirkwood Community College, All Rights Reserved</a:t>
             </a:r>
             <a:endParaRPr lang="en-US" sz="1000" dirty="0">
               <a:solidFill>
@@ -7535,7 +6939,7 @@
     </p:spTree>
     <p:extLst>
       <p:ext uri="{BB962C8B-B14F-4D97-AF65-F5344CB8AC3E}">
-        <p14:creationId xmlns:p14="http://schemas.microsoft.com/office/powerpoint/2010/main" val="2498820844"/>
+        <p14:creationId xmlns:p14="http://schemas.microsoft.com/office/powerpoint/2010/main" val="2505810600"/>
       </p:ext>
     </p:extLst>
   </p:cSld>
@@ -7594,7 +6998,7 @@
           <a:p>
             <a:r>
               <a:rPr lang="en-US" dirty="0" smtClean="0"/>
-              <a:t>THE OBJECTIVE</a:t>
+              <a:t>PROJECT SUMMARY</a:t>
             </a:r>
             <a:endParaRPr lang="en-US" dirty="0"/>
           </a:p>
@@ -7622,68 +7026,61 @@
           </a:bodyPr>
           <a:lstStyle/>
           <a:p>
-            <a:pPr>
-              <a:buFont typeface="Wingdings" panose="05000000000000000000" pitchFamily="2" charset="2"/>
-              <a:buChar char="Ø"/>
+            <a:pPr marL="0" indent="0" algn="ctr">
+              <a:buNone/>
             </a:pPr>
             <a:r>
               <a:rPr lang="en-US" sz="4800" b="1" dirty="0" smtClean="0"/>
-              <a:t>   Powerful Forecasting Tool</a:t>
-            </a:r>
-          </a:p>
-          <a:p>
-            <a:pPr lvl="5">
-              <a:buFont typeface="Wingdings" panose="05000000000000000000" pitchFamily="2" charset="2"/>
-              <a:buChar char="Ø"/>
+              <a:t>Project Name</a:t>
+            </a:r>
+          </a:p>
+          <a:p>
+            <a:pPr marL="0" indent="0" algn="ctr">
+              <a:buNone/>
             </a:pPr>
             <a:r>
-              <a:rPr lang="en-US" sz="4201" b="1" dirty="0" smtClean="0"/>
-              <a:t>Data from User Interaction </a:t>
-            </a:r>
-            <a:r>
-              <a:rPr lang="en-US" sz="3200" dirty="0" smtClean="0"/>
-              <a:t>(Clicks, Pauses, Heavy Weight Nodes)</a:t>
-            </a:r>
-            <a:endParaRPr lang="en-US" sz="4201" dirty="0" smtClean="0"/>
-          </a:p>
-          <a:p>
-            <a:pPr lvl="5">
-              <a:buFont typeface="Wingdings" panose="05000000000000000000" pitchFamily="2" charset="2"/>
-              <a:buChar char="Ø"/>
+              <a:rPr lang="en-US" sz="2800" b="1" dirty="0" smtClean="0"/>
+              <a:t>SCSYSTEM</a:t>
+            </a:r>
+          </a:p>
+          <a:p>
+            <a:pPr marL="0" indent="0" algn="ctr">
+              <a:buNone/>
             </a:pPr>
-            <a:r>
-              <a:rPr lang="en-US" sz="4201" b="1" dirty="0" smtClean="0"/>
-              <a:t>Integrated Apps </a:t>
-            </a:r>
-            <a:r>
-              <a:rPr lang="en-US" sz="3200" dirty="0" smtClean="0"/>
-              <a:t>(Sales, Jobs, Meetings)</a:t>
-            </a:r>
-            <a:endParaRPr lang="en-US" sz="4201" dirty="0" smtClean="0"/>
-          </a:p>
-          <a:p>
-            <a:pPr lvl="5">
-              <a:buFont typeface="Wingdings" panose="05000000000000000000" pitchFamily="2" charset="2"/>
-              <a:buChar char="Ø"/>
+            <a:endParaRPr lang="en-US" sz="2000" b="1" dirty="0"/>
+          </a:p>
+          <a:p>
+            <a:pPr marL="0" indent="0" algn="ctr">
+              <a:buNone/>
             </a:pPr>
             <a:r>
-              <a:rPr lang="en-US" sz="4201" b="1" dirty="0" smtClean="0"/>
-              <a:t>Insights </a:t>
-            </a:r>
-            <a:r>
-              <a:rPr lang="en-US" sz="3200" dirty="0" smtClean="0"/>
-              <a:t>(Data Mining)</a:t>
+              <a:rPr lang="en-US" sz="4000" b="1" u="sng" dirty="0" smtClean="0"/>
+              <a:t>Primary Function</a:t>
+            </a:r>
+          </a:p>
+          <a:p>
+            <a:pPr marL="0" indent="0" algn="ctr">
+              <a:buNone/>
+            </a:pPr>
+            <a:r>
+              <a:rPr lang="en-US" sz="4000" b="1" dirty="0" smtClean="0"/>
+              <a:t>Enterprise Software Platform</a:t>
+            </a:r>
+          </a:p>
+          <a:p>
+            <a:pPr marL="0" indent="0" algn="ctr">
+              <a:buNone/>
+            </a:pPr>
+            <a:r>
+              <a:rPr lang="en-US" sz="2400" b="1" i="1" dirty="0" smtClean="0"/>
+              <a:t>::Platform Administration for Multiple Apps</a:t>
             </a:r>
           </a:p>
           <a:p>
             <a:pPr marL="0" indent="0">
               <a:buNone/>
             </a:pPr>
-            <a:r>
-              <a:rPr lang="en-US" sz="2000" b="1" dirty="0" smtClean="0"/>
-              <a:t>   </a:t>
-            </a:r>
-            <a:endParaRPr lang="en-US" sz="3600" b="1" dirty="0"/>
+            <a:endParaRPr lang="en-US" sz="2000" b="1" dirty="0"/>
           </a:p>
         </p:txBody>
       </p:sp>
@@ -7717,23 +7114,7 @@
                   <a:schemeClr val="bg1"/>
                 </a:solidFill>
               </a:rPr>
-              <a:t>© </a:t>
-            </a:r>
-            <a:r>
-              <a:rPr lang="en-US" sz="1000" dirty="0" smtClean="0">
-                <a:solidFill>
-                  <a:schemeClr val="bg1"/>
-                </a:solidFill>
-              </a:rPr>
-              <a:t>2017 </a:t>
-            </a:r>
-            <a:r>
-              <a:rPr lang="en-US" sz="1000" dirty="0" smtClean="0">
-                <a:solidFill>
-                  <a:schemeClr val="bg1"/>
-                </a:solidFill>
-              </a:rPr>
-              <a:t>Kirkwood Community College, All Rights Reserved</a:t>
+              <a:t>© 2017 Kirkwood Community College, All Rights Reserved</a:t>
             </a:r>
             <a:endParaRPr lang="en-US" sz="1000" dirty="0">
               <a:solidFill>
@@ -7746,7 +7127,7 @@
     </p:spTree>
     <p:extLst>
       <p:ext uri="{BB962C8B-B14F-4D97-AF65-F5344CB8AC3E}">
-        <p14:creationId xmlns:p14="http://schemas.microsoft.com/office/powerpoint/2010/main" val="1759480935"/>
+        <p14:creationId xmlns:p14="http://schemas.microsoft.com/office/powerpoint/2010/main" val="2545021770"/>
       </p:ext>
     </p:extLst>
   </p:cSld>
@@ -7790,63 +7171,6 @@
       </p:grpSpPr>
       <p:sp>
         <p:nvSpPr>
-          <p:cNvPr id="14" name="Content Placeholder 13"/>
-          <p:cNvSpPr>
-            <a:spLocks noGrp="1"/>
-          </p:cNvSpPr>
-          <p:nvPr>
-            <p:ph idx="1"/>
-          </p:nvPr>
-        </p:nvSpPr>
-        <p:spPr>
-          <a:xfrm>
-            <a:off x="1096993" y="1981200"/>
-            <a:ext cx="10055781" cy="4114800"/>
-          </a:xfrm>
-        </p:spPr>
-        <p:txBody>
-          <a:bodyPr>
-            <a:noAutofit/>
-          </a:bodyPr>
-          <a:lstStyle/>
-          <a:p>
-            <a:pPr marL="0" indent="0">
-              <a:buNone/>
-            </a:pPr>
-            <a:endParaRPr lang="en-US" sz="2000" b="1" dirty="0" smtClean="0"/>
-          </a:p>
-          <a:p>
-            <a:pPr marL="0" indent="0">
-              <a:buNone/>
-            </a:pPr>
-            <a:endParaRPr lang="en-US" sz="2000" b="1" dirty="0"/>
-          </a:p>
-          <a:p>
-            <a:pPr marL="0" indent="0">
-              <a:buNone/>
-            </a:pPr>
-            <a:endParaRPr lang="en-US" sz="2000" b="1" dirty="0" smtClean="0"/>
-          </a:p>
-          <a:p>
-            <a:pPr algn="ctr"/>
-            <a:r>
-              <a:rPr lang="en-US" sz="9600" b="1" dirty="0" smtClean="0"/>
-              <a:t>PROJECT </a:t>
-            </a:r>
-            <a:endParaRPr lang="en-US" sz="9600" b="1" dirty="0"/>
-          </a:p>
-          <a:p>
-            <a:pPr algn="ctr"/>
-            <a:r>
-              <a:rPr lang="en-US" sz="9600" b="1" dirty="0" smtClean="0"/>
-              <a:t>SUMMARY</a:t>
-            </a:r>
-            <a:endParaRPr lang="en-US" sz="9600" b="1" dirty="0"/>
-          </a:p>
-        </p:txBody>
-      </p:sp>
-      <p:sp>
-        <p:nvSpPr>
           <p:cNvPr id="6" name="TextBox 5">
             <a:hlinkClick r:id="rId2"/>
           </p:cNvPr>
@@ -7875,23 +7199,7 @@
                   <a:schemeClr val="bg1"/>
                 </a:solidFill>
               </a:rPr>
-              <a:t>© </a:t>
-            </a:r>
-            <a:r>
-              <a:rPr lang="en-US" sz="1000" dirty="0" smtClean="0">
-                <a:solidFill>
-                  <a:schemeClr val="bg1"/>
-                </a:solidFill>
-              </a:rPr>
-              <a:t>2017 </a:t>
-            </a:r>
-            <a:r>
-              <a:rPr lang="en-US" sz="1000" dirty="0" smtClean="0">
-                <a:solidFill>
-                  <a:schemeClr val="bg1"/>
-                </a:solidFill>
-              </a:rPr>
-              <a:t>Kirkwood Community College, All Rights Reserved</a:t>
+              <a:t>© 2017 Kirkwood Community College, All Rights Reserved</a:t>
             </a:r>
             <a:endParaRPr lang="en-US" sz="1000" dirty="0">
               <a:solidFill>
@@ -7901,10 +7209,82 @@
           </a:p>
         </p:txBody>
       </p:sp>
+      <p:sp>
+        <p:nvSpPr>
+          <p:cNvPr id="5" name="Rectangle 4"/>
+          <p:cNvSpPr/>
+          <p:nvPr/>
+        </p:nvSpPr>
+        <p:spPr>
+          <a:xfrm>
+            <a:off x="989012" y="1600200"/>
+            <a:ext cx="10287000" cy="457200"/>
+          </a:xfrm>
+          <a:prstGeom prst="rect">
+            <a:avLst/>
+          </a:prstGeom>
+          <a:solidFill>
+            <a:schemeClr val="bg1"/>
+          </a:solidFill>
+          <a:ln>
+            <a:solidFill>
+              <a:schemeClr val="bg1"/>
+            </a:solidFill>
+          </a:ln>
+        </p:spPr>
+        <p:style>
+          <a:lnRef idx="2">
+            <a:schemeClr val="accent1">
+              <a:shade val="50000"/>
+            </a:schemeClr>
+          </a:lnRef>
+          <a:fillRef idx="1">
+            <a:schemeClr val="accent1"/>
+          </a:fillRef>
+          <a:effectRef idx="0">
+            <a:schemeClr val="accent1"/>
+          </a:effectRef>
+          <a:fontRef idx="minor">
+            <a:schemeClr val="lt1"/>
+          </a:fontRef>
+        </p:style>
+        <p:txBody>
+          <a:bodyPr rtlCol="0" anchor="ctr"/>
+          <a:lstStyle/>
+          <a:p>
+            <a:pPr algn="ctr"/>
+            <a:endParaRPr lang="en-US"/>
+          </a:p>
+        </p:txBody>
+      </p:sp>
+      <p:pic>
+        <p:nvPicPr>
+          <p:cNvPr id="7" name="Picture 6"/>
+          <p:cNvPicPr>
+            <a:picLocks noChangeAspect="1"/>
+          </p:cNvPicPr>
+          <p:nvPr/>
+        </p:nvPicPr>
+        <p:blipFill>
+          <a:blip r:embed="rId3"/>
+          <a:stretch>
+            <a:fillRect/>
+          </a:stretch>
+        </p:blipFill>
+        <p:spPr>
+          <a:xfrm>
+            <a:off x="836612" y="152400"/>
+            <a:ext cx="10437768" cy="6150079"/>
+          </a:xfrm>
+          <a:prstGeom prst="rect">
+            <a:avLst/>
+          </a:prstGeom>
+        </p:spPr>
+      </p:pic>
     </p:spTree>
     <p:extLst>
       <p:ext uri="{BB962C8B-B14F-4D97-AF65-F5344CB8AC3E}">
-        <p14:creationId xmlns:p14="http://schemas.microsoft.com/office/powerpoint/2010/main" val="2505810600"/>
+        <p14:creationId xmlns:p14="http://schemas.microsoft.com/office/powerpoint/2010/main" val="1087797268"/>
       </p:ext>
     </p:extLst>
   </p:cSld>
@@ -7948,29 +7328,6 @@
       </p:grpSpPr>
       <p:sp>
         <p:nvSpPr>
-          <p:cNvPr id="13" name="Title 12"/>
-          <p:cNvSpPr>
-            <a:spLocks noGrp="1"/>
-          </p:cNvSpPr>
-          <p:nvPr>
-            <p:ph type="title"/>
-          </p:nvPr>
-        </p:nvSpPr>
-        <p:spPr/>
-        <p:txBody>
-          <a:bodyPr/>
-          <a:lstStyle/>
-          <a:p>
-            <a:r>
-              <a:rPr lang="en-US" dirty="0" smtClean="0"/>
-              <a:t>PROJECT SUMMARY</a:t>
-            </a:r>
-            <a:endParaRPr lang="en-US" dirty="0"/>
-          </a:p>
-        </p:txBody>
-      </p:sp>
-      <p:sp>
-        <p:nvSpPr>
           <p:cNvPr id="14" name="Content Placeholder 13"/>
           <p:cNvSpPr>
             <a:spLocks noGrp="1"/>
@@ -7991,67 +7348,37 @@
           </a:bodyPr>
           <a:lstStyle/>
           <a:p>
-            <a:pPr marL="0" indent="0" algn="ctr">
+            <a:pPr marL="0" indent="0">
               <a:buNone/>
             </a:pPr>
-            <a:r>
-              <a:rPr lang="en-US" sz="4800" b="1" dirty="0" smtClean="0"/>
-              <a:t>Project Name</a:t>
-            </a:r>
-          </a:p>
-          <a:p>
-            <a:pPr marL="0" indent="0" algn="ctr">
-              <a:buNone/>
-            </a:pPr>
-            <a:r>
-              <a:rPr lang="en-US" sz="2800" b="1" dirty="0" smtClean="0"/>
-              <a:t>SCSYSTEM</a:t>
-            </a:r>
-            <a:endParaRPr lang="en-US" sz="2800" b="1" dirty="0" smtClean="0"/>
-          </a:p>
-          <a:p>
-            <a:pPr marL="0" indent="0" algn="ctr">
+            <a:endParaRPr lang="en-US" sz="2000" b="1" dirty="0" smtClean="0"/>
+          </a:p>
+          <a:p>
+            <a:pPr marL="0" indent="0">
               <a:buNone/>
             </a:pPr>
             <a:endParaRPr lang="en-US" sz="2000" b="1" dirty="0"/>
           </a:p>
           <a:p>
-            <a:pPr marL="0" indent="0" algn="ctr">
+            <a:pPr marL="0" indent="0">
               <a:buNone/>
             </a:pPr>
-            <a:r>
-              <a:rPr lang="en-US" sz="4000" b="1" u="sng" dirty="0" smtClean="0"/>
-              <a:t>Primary Function</a:t>
-            </a:r>
-          </a:p>
-          <a:p>
-            <a:pPr marL="0" indent="0" algn="ctr">
-              <a:buNone/>
-            </a:pPr>
-            <a:r>
-              <a:rPr lang="en-US" sz="4000" b="1" dirty="0" smtClean="0"/>
-              <a:t>Enterprise Software Platform</a:t>
-            </a:r>
-          </a:p>
-          <a:p>
-            <a:pPr marL="0" indent="0" algn="ctr">
-              <a:buNone/>
-            </a:pPr>
-            <a:r>
-              <a:rPr lang="en-US" sz="2400" b="1" i="1" dirty="0" smtClean="0"/>
-              <a:t>::Platform Administration for Multiple </a:t>
-            </a:r>
-            <a:r>
-              <a:rPr lang="en-US" sz="2400" b="1" i="1" dirty="0" smtClean="0"/>
-              <a:t>Apps</a:t>
-            </a:r>
-            <a:endParaRPr lang="en-US" sz="2400" b="1" i="1" dirty="0" smtClean="0"/>
-          </a:p>
-          <a:p>
-            <a:pPr marL="0" indent="0">
-              <a:buNone/>
-            </a:pPr>
-            <a:endParaRPr lang="en-US" sz="2000" b="1" dirty="0"/>
+            <a:endParaRPr lang="en-US" sz="2000" b="1" dirty="0" smtClean="0"/>
+          </a:p>
+          <a:p>
+            <a:pPr algn="ctr"/>
+            <a:r>
+              <a:rPr lang="en-US" sz="9600" b="1" dirty="0" smtClean="0"/>
+              <a:t>SOFTWARE</a:t>
+            </a:r>
+          </a:p>
+          <a:p>
+            <a:pPr algn="ctr"/>
+            <a:r>
+              <a:rPr lang="en-US" sz="9600" b="1" dirty="0" smtClean="0"/>
+              <a:t>ARCHITECTURE</a:t>
+            </a:r>
+            <a:endParaRPr lang="en-US" sz="9600" b="1" dirty="0"/>
           </a:p>
         </p:txBody>
       </p:sp>
@@ -8085,23 +7412,7 @@
                   <a:schemeClr val="bg1"/>
                 </a:solidFill>
               </a:rPr>
-              <a:t>© </a:t>
-            </a:r>
-            <a:r>
-              <a:rPr lang="en-US" sz="1000" dirty="0" smtClean="0">
-                <a:solidFill>
-                  <a:schemeClr val="bg1"/>
-                </a:solidFill>
-              </a:rPr>
-              <a:t>2017 </a:t>
-            </a:r>
-            <a:r>
-              <a:rPr lang="en-US" sz="1000" dirty="0" smtClean="0">
-                <a:solidFill>
-                  <a:schemeClr val="bg1"/>
-                </a:solidFill>
-              </a:rPr>
-              <a:t>Kirkwood Community College, All Rights Reserved</a:t>
+              <a:t>© 2017 Kirkwood Community College, All Rights Reserved</a:t>
             </a:r>
             <a:endParaRPr lang="en-US" sz="1000" dirty="0">
               <a:solidFill>
@@ -8114,7 +7425,7 @@
     </p:spTree>
     <p:extLst>
       <p:ext uri="{BB962C8B-B14F-4D97-AF65-F5344CB8AC3E}">
-        <p14:creationId xmlns:p14="http://schemas.microsoft.com/office/powerpoint/2010/main" val="2545021770"/>
+        <p14:creationId xmlns:p14="http://schemas.microsoft.com/office/powerpoint/2010/main" val="1884422861"/>
       </p:ext>
     </p:extLst>
   </p:cSld>
